--- a/texto/imagens/imagens.pptx
+++ b/texto/imagens/imagens.pptx
@@ -5,12 +5,14 @@
     <p:sldMasterId id="2147483648" r:id="rId1"/>
   </p:sldMasterIdLst>
   <p:notesMasterIdLst>
-    <p:notesMasterId r:id="rId5"/>
+    <p:notesMasterId r:id="rId7"/>
   </p:notesMasterIdLst>
   <p:sldIdLst>
-    <p:sldId id="257" r:id="rId2"/>
-    <p:sldId id="259" r:id="rId3"/>
-    <p:sldId id="262" r:id="rId4"/>
+    <p:sldId id="265" r:id="rId2"/>
+    <p:sldId id="257" r:id="rId3"/>
+    <p:sldId id="259" r:id="rId4"/>
+    <p:sldId id="262" r:id="rId5"/>
+    <p:sldId id="264" r:id="rId6"/>
   </p:sldIdLst>
   <p:sldSz cx="12192000" cy="6858000"/>
   <p:notesSz cx="6858000" cy="9144000"/>
@@ -210,7 +212,7 @@
           <a:p>
             <a:fld id="{6B0AB28A-744D-4D8F-B230-777115679F23}" type="datetimeFigureOut">
               <a:rPr lang="pt-BR" smtClean="0"/>
-              <a:t>23/07/2025</a:t>
+              <a:t>26/10/2025</a:t>
             </a:fld>
             <a:endParaRPr lang="pt-BR"/>
           </a:p>
@@ -566,7 +568,7 @@
           <a:p>
             <a:fld id="{318A9D12-4ED9-4A66-A13A-91B9F737EC95}" type="slidenum">
               <a:rPr lang="pt-BR" smtClean="0"/>
-              <a:t>3</a:t>
+              <a:t>4</a:t>
             </a:fld>
             <a:endParaRPr lang="pt-BR"/>
           </a:p>
@@ -732,7 +734,7 @@
           <a:p>
             <a:fld id="{FBE0B160-877E-41BA-9694-A2F87F92269D}" type="datetimeFigureOut">
               <a:rPr lang="pt-BR" smtClean="0"/>
-              <a:t>23/07/2025</a:t>
+              <a:t>26/10/2025</a:t>
             </a:fld>
             <a:endParaRPr lang="pt-BR"/>
           </a:p>
@@ -930,7 +932,7 @@
           <a:p>
             <a:fld id="{FBE0B160-877E-41BA-9694-A2F87F92269D}" type="datetimeFigureOut">
               <a:rPr lang="pt-BR" smtClean="0"/>
-              <a:t>23/07/2025</a:t>
+              <a:t>26/10/2025</a:t>
             </a:fld>
             <a:endParaRPr lang="pt-BR"/>
           </a:p>
@@ -1138,7 +1140,7 @@
           <a:p>
             <a:fld id="{FBE0B160-877E-41BA-9694-A2F87F92269D}" type="datetimeFigureOut">
               <a:rPr lang="pt-BR" smtClean="0"/>
-              <a:t>23/07/2025</a:t>
+              <a:t>26/10/2025</a:t>
             </a:fld>
             <a:endParaRPr lang="pt-BR"/>
           </a:p>
@@ -1336,7 +1338,7 @@
           <a:p>
             <a:fld id="{FBE0B160-877E-41BA-9694-A2F87F92269D}" type="datetimeFigureOut">
               <a:rPr lang="pt-BR" smtClean="0"/>
-              <a:t>23/07/2025</a:t>
+              <a:t>26/10/2025</a:t>
             </a:fld>
             <a:endParaRPr lang="pt-BR"/>
           </a:p>
@@ -1611,7 +1613,7 @@
           <a:p>
             <a:fld id="{FBE0B160-877E-41BA-9694-A2F87F92269D}" type="datetimeFigureOut">
               <a:rPr lang="pt-BR" smtClean="0"/>
-              <a:t>23/07/2025</a:t>
+              <a:t>26/10/2025</a:t>
             </a:fld>
             <a:endParaRPr lang="pt-BR"/>
           </a:p>
@@ -1876,7 +1878,7 @@
           <a:p>
             <a:fld id="{FBE0B160-877E-41BA-9694-A2F87F92269D}" type="datetimeFigureOut">
               <a:rPr lang="pt-BR" smtClean="0"/>
-              <a:t>23/07/2025</a:t>
+              <a:t>26/10/2025</a:t>
             </a:fld>
             <a:endParaRPr lang="pt-BR"/>
           </a:p>
@@ -2288,7 +2290,7 @@
           <a:p>
             <a:fld id="{FBE0B160-877E-41BA-9694-A2F87F92269D}" type="datetimeFigureOut">
               <a:rPr lang="pt-BR" smtClean="0"/>
-              <a:t>23/07/2025</a:t>
+              <a:t>26/10/2025</a:t>
             </a:fld>
             <a:endParaRPr lang="pt-BR"/>
           </a:p>
@@ -2429,7 +2431,7 @@
           <a:p>
             <a:fld id="{FBE0B160-877E-41BA-9694-A2F87F92269D}" type="datetimeFigureOut">
               <a:rPr lang="pt-BR" smtClean="0"/>
-              <a:t>23/07/2025</a:t>
+              <a:t>26/10/2025</a:t>
             </a:fld>
             <a:endParaRPr lang="pt-BR"/>
           </a:p>
@@ -2542,7 +2544,7 @@
           <a:p>
             <a:fld id="{FBE0B160-877E-41BA-9694-A2F87F92269D}" type="datetimeFigureOut">
               <a:rPr lang="pt-BR" smtClean="0"/>
-              <a:t>23/07/2025</a:t>
+              <a:t>26/10/2025</a:t>
             </a:fld>
             <a:endParaRPr lang="pt-BR"/>
           </a:p>
@@ -2853,7 +2855,7 @@
           <a:p>
             <a:fld id="{FBE0B160-877E-41BA-9694-A2F87F92269D}" type="datetimeFigureOut">
               <a:rPr lang="pt-BR" smtClean="0"/>
-              <a:t>23/07/2025</a:t>
+              <a:t>26/10/2025</a:t>
             </a:fld>
             <a:endParaRPr lang="pt-BR"/>
           </a:p>
@@ -3141,7 +3143,7 @@
           <a:p>
             <a:fld id="{FBE0B160-877E-41BA-9694-A2F87F92269D}" type="datetimeFigureOut">
               <a:rPr lang="pt-BR" smtClean="0"/>
-              <a:t>23/07/2025</a:t>
+              <a:t>26/10/2025</a:t>
             </a:fld>
             <a:endParaRPr lang="pt-BR"/>
           </a:p>
@@ -3382,7 +3384,7 @@
           <a:p>
             <a:fld id="{FBE0B160-877E-41BA-9694-A2F87F92269D}" type="datetimeFigureOut">
               <a:rPr lang="pt-BR" smtClean="0"/>
-              <a:t>23/07/2025</a:t>
+              <a:t>26/10/2025</a:t>
             </a:fld>
             <a:endParaRPr lang="pt-BR"/>
           </a:p>
@@ -3799,6 +3801,302 @@
           <a:chExt cx="0" cy="0"/>
         </a:xfrm>
       </p:grpSpPr>
+      <p:cxnSp>
+        <p:nvCxnSpPr>
+          <p:cNvPr id="4" name="Conector reto 3">
+            <a:extLst>
+              <a:ext uri="{FF2B5EF4-FFF2-40B4-BE49-F238E27FC236}">
+                <a16:creationId xmlns:a16="http://schemas.microsoft.com/office/drawing/2014/main" id="{66335B30-B01C-546F-16FE-BDA00CB5F9F0}"/>
+              </a:ext>
+            </a:extLst>
+          </p:cNvPr>
+          <p:cNvCxnSpPr>
+            <a:cxnSpLocks/>
+          </p:cNvCxnSpPr>
+          <p:nvPr/>
+        </p:nvCxnSpPr>
+        <p:spPr>
+          <a:xfrm rot="10800000" flipH="1">
+            <a:off x="6096001" y="3429000"/>
+            <a:ext cx="0" cy="2520000"/>
+          </a:xfrm>
+          <a:prstGeom prst="line">
+            <a:avLst/>
+          </a:prstGeom>
+        </p:spPr>
+        <p:style>
+          <a:lnRef idx="2">
+            <a:schemeClr val="accent1"/>
+          </a:lnRef>
+          <a:fillRef idx="0">
+            <a:schemeClr val="accent1"/>
+          </a:fillRef>
+          <a:effectRef idx="1">
+            <a:schemeClr val="accent1"/>
+          </a:effectRef>
+          <a:fontRef idx="minor">
+            <a:schemeClr val="tx1"/>
+          </a:fontRef>
+        </p:style>
+      </p:cxnSp>
+      <p:cxnSp>
+        <p:nvCxnSpPr>
+          <p:cNvPr id="5" name="Conector reto 4">
+            <a:extLst>
+              <a:ext uri="{FF2B5EF4-FFF2-40B4-BE49-F238E27FC236}">
+                <a16:creationId xmlns:a16="http://schemas.microsoft.com/office/drawing/2014/main" id="{C40BC386-678B-9726-74E0-C7CCC50514F6}"/>
+              </a:ext>
+            </a:extLst>
+          </p:cNvPr>
+          <p:cNvCxnSpPr>
+            <a:cxnSpLocks/>
+          </p:cNvCxnSpPr>
+          <p:nvPr/>
+        </p:nvCxnSpPr>
+        <p:spPr>
+          <a:xfrm>
+            <a:off x="-1548460" y="3429000"/>
+            <a:ext cx="720000" cy="0"/>
+          </a:xfrm>
+          <a:prstGeom prst="line">
+            <a:avLst/>
+          </a:prstGeom>
+        </p:spPr>
+        <p:style>
+          <a:lnRef idx="2">
+            <a:schemeClr val="accent1"/>
+          </a:lnRef>
+          <a:fillRef idx="0">
+            <a:schemeClr val="accent1"/>
+          </a:fillRef>
+          <a:effectRef idx="1">
+            <a:schemeClr val="accent1"/>
+          </a:effectRef>
+          <a:fontRef idx="minor">
+            <a:schemeClr val="tx1"/>
+          </a:fontRef>
+        </p:style>
+      </p:cxnSp>
+      <p:cxnSp>
+        <p:nvCxnSpPr>
+          <p:cNvPr id="6" name="Conector reto 5">
+            <a:extLst>
+              <a:ext uri="{FF2B5EF4-FFF2-40B4-BE49-F238E27FC236}">
+                <a16:creationId xmlns:a16="http://schemas.microsoft.com/office/drawing/2014/main" id="{C05C967E-75CB-27C4-68A8-9C3755C27D1A}"/>
+              </a:ext>
+            </a:extLst>
+          </p:cNvPr>
+          <p:cNvCxnSpPr>
+            <a:cxnSpLocks/>
+          </p:cNvCxnSpPr>
+          <p:nvPr/>
+        </p:nvCxnSpPr>
+        <p:spPr>
+          <a:xfrm>
+            <a:off x="6096000" y="8851900"/>
+            <a:ext cx="0" cy="720000"/>
+          </a:xfrm>
+          <a:prstGeom prst="line">
+            <a:avLst/>
+          </a:prstGeom>
+        </p:spPr>
+        <p:style>
+          <a:lnRef idx="2">
+            <a:schemeClr val="accent1"/>
+          </a:lnRef>
+          <a:fillRef idx="0">
+            <a:schemeClr val="accent1"/>
+          </a:fillRef>
+          <a:effectRef idx="1">
+            <a:schemeClr val="accent1"/>
+          </a:effectRef>
+          <a:fontRef idx="minor">
+            <a:schemeClr val="tx1"/>
+          </a:fontRef>
+        </p:style>
+      </p:cxnSp>
+      <p:cxnSp>
+        <p:nvCxnSpPr>
+          <p:cNvPr id="7" name="Conector reto 6">
+            <a:extLst>
+              <a:ext uri="{FF2B5EF4-FFF2-40B4-BE49-F238E27FC236}">
+                <a16:creationId xmlns:a16="http://schemas.microsoft.com/office/drawing/2014/main" id="{CF27EBF1-2DEF-0FEC-DB87-D68467908652}"/>
+              </a:ext>
+            </a:extLst>
+          </p:cNvPr>
+          <p:cNvCxnSpPr>
+            <a:cxnSpLocks/>
+          </p:cNvCxnSpPr>
+          <p:nvPr/>
+        </p:nvCxnSpPr>
+        <p:spPr>
+          <a:xfrm rot="6480000" flipH="1">
+            <a:off x="7294332" y="2558362"/>
+            <a:ext cx="0" cy="2520000"/>
+          </a:xfrm>
+          <a:prstGeom prst="line">
+            <a:avLst/>
+          </a:prstGeom>
+        </p:spPr>
+        <p:style>
+          <a:lnRef idx="2">
+            <a:schemeClr val="accent1"/>
+          </a:lnRef>
+          <a:fillRef idx="0">
+            <a:schemeClr val="accent1"/>
+          </a:fillRef>
+          <a:effectRef idx="1">
+            <a:schemeClr val="accent1"/>
+          </a:effectRef>
+          <a:fontRef idx="minor">
+            <a:schemeClr val="tx1"/>
+          </a:fontRef>
+        </p:style>
+      </p:cxnSp>
+      <p:cxnSp>
+        <p:nvCxnSpPr>
+          <p:cNvPr id="8" name="Conector reto 7">
+            <a:extLst>
+              <a:ext uri="{FF2B5EF4-FFF2-40B4-BE49-F238E27FC236}">
+                <a16:creationId xmlns:a16="http://schemas.microsoft.com/office/drawing/2014/main" id="{C33400F2-CE67-75A5-4A25-0F3E5E5DE394}"/>
+              </a:ext>
+            </a:extLst>
+          </p:cNvPr>
+          <p:cNvCxnSpPr>
+            <a:cxnSpLocks/>
+          </p:cNvCxnSpPr>
+          <p:nvPr/>
+        </p:nvCxnSpPr>
+        <p:spPr>
+          <a:xfrm rot="15120000">
+            <a:off x="4897669" y="2558362"/>
+            <a:ext cx="0" cy="2520000"/>
+          </a:xfrm>
+          <a:prstGeom prst="line">
+            <a:avLst/>
+          </a:prstGeom>
+        </p:spPr>
+        <p:style>
+          <a:lnRef idx="2">
+            <a:schemeClr val="accent1"/>
+          </a:lnRef>
+          <a:fillRef idx="0">
+            <a:schemeClr val="accent1"/>
+          </a:fillRef>
+          <a:effectRef idx="1">
+            <a:schemeClr val="accent1"/>
+          </a:effectRef>
+          <a:fontRef idx="minor">
+            <a:schemeClr val="tx1"/>
+          </a:fontRef>
+        </p:style>
+      </p:cxnSp>
+      <p:cxnSp>
+        <p:nvCxnSpPr>
+          <p:cNvPr id="9" name="Conector reto 8">
+            <a:extLst>
+              <a:ext uri="{FF2B5EF4-FFF2-40B4-BE49-F238E27FC236}">
+                <a16:creationId xmlns:a16="http://schemas.microsoft.com/office/drawing/2014/main" id="{4F0AC452-00C3-D2F6-AF0A-439DE4BCDC4B}"/>
+              </a:ext>
+            </a:extLst>
+          </p:cNvPr>
+          <p:cNvCxnSpPr>
+            <a:cxnSpLocks/>
+          </p:cNvCxnSpPr>
+          <p:nvPr/>
+        </p:nvCxnSpPr>
+        <p:spPr>
+          <a:xfrm rot="2160000" flipH="1">
+            <a:off x="6836610" y="1149638"/>
+            <a:ext cx="0" cy="2520000"/>
+          </a:xfrm>
+          <a:prstGeom prst="line">
+            <a:avLst/>
+          </a:prstGeom>
+        </p:spPr>
+        <p:style>
+          <a:lnRef idx="2">
+            <a:schemeClr val="accent1"/>
+          </a:lnRef>
+          <a:fillRef idx="0">
+            <a:schemeClr val="accent1"/>
+          </a:fillRef>
+          <a:effectRef idx="1">
+            <a:schemeClr val="accent1"/>
+          </a:effectRef>
+          <a:fontRef idx="minor">
+            <a:schemeClr val="tx1"/>
+          </a:fontRef>
+        </p:style>
+      </p:cxnSp>
+      <p:cxnSp>
+        <p:nvCxnSpPr>
+          <p:cNvPr id="10" name="Conector reto 9">
+            <a:extLst>
+              <a:ext uri="{FF2B5EF4-FFF2-40B4-BE49-F238E27FC236}">
+                <a16:creationId xmlns:a16="http://schemas.microsoft.com/office/drawing/2014/main" id="{4DB54DF3-1957-5ED8-5AD2-19CEA63169F1}"/>
+              </a:ext>
+            </a:extLst>
+          </p:cNvPr>
+          <p:cNvCxnSpPr>
+            <a:cxnSpLocks/>
+          </p:cNvCxnSpPr>
+          <p:nvPr/>
+        </p:nvCxnSpPr>
+        <p:spPr>
+          <a:xfrm rot="19440000">
+            <a:off x="5355391" y="1149639"/>
+            <a:ext cx="0" cy="2520000"/>
+          </a:xfrm>
+          <a:prstGeom prst="line">
+            <a:avLst/>
+          </a:prstGeom>
+        </p:spPr>
+        <p:style>
+          <a:lnRef idx="2">
+            <a:schemeClr val="accent1"/>
+          </a:lnRef>
+          <a:fillRef idx="0">
+            <a:schemeClr val="accent1"/>
+          </a:fillRef>
+          <a:effectRef idx="1">
+            <a:schemeClr val="accent1"/>
+          </a:effectRef>
+          <a:fontRef idx="minor">
+            <a:schemeClr val="tx1"/>
+          </a:fontRef>
+        </p:style>
+      </p:cxnSp>
+    </p:spTree>
+    <p:extLst>
+      <p:ext uri="{BB962C8B-B14F-4D97-AF65-F5344CB8AC3E}">
+        <p14:creationId xmlns:p14="http://schemas.microsoft.com/office/powerpoint/2010/main" val="3077507110"/>
+      </p:ext>
+    </p:extLst>
+  </p:cSld>
+  <p:clrMapOvr>
+    <a:masterClrMapping/>
+  </p:clrMapOvr>
+</p:sld>
+</file>
+
+<file path=ppt/slides/slide2.xml><?xml version="1.0" encoding="utf-8"?>
+<p:sld xmlns:a="http://schemas.openxmlformats.org/drawingml/2006/main" xmlns:r="http://schemas.openxmlformats.org/officeDocument/2006/relationships" xmlns:p="http://schemas.openxmlformats.org/presentationml/2006/main">
+  <p:cSld>
+    <p:spTree>
+      <p:nvGrpSpPr>
+        <p:cNvPr id="1" name=""/>
+        <p:cNvGrpSpPr/>
+        <p:nvPr/>
+      </p:nvGrpSpPr>
+      <p:grpSpPr>
+        <a:xfrm>
+          <a:off x="0" y="0"/>
+          <a:ext cx="0" cy="0"/>
+          <a:chOff x="0" y="0"/>
+          <a:chExt cx="0" cy="0"/>
+        </a:xfrm>
+      </p:grpSpPr>
       <p:pic>
         <p:nvPicPr>
           <p:cNvPr id="2052" name="Picture 4" descr="Visual Insights into k-NN Classification for Iris Dataset | by NANDINI  VERMA | Medium">
@@ -4006,7 +4304,7 @@
 </p:sld>
 </file>
 
-<file path=ppt/slides/slide2.xml><?xml version="1.0" encoding="utf-8"?>
+<file path=ppt/slides/slide3.xml><?xml version="1.0" encoding="utf-8"?>
 <p:sld xmlns:a="http://schemas.openxmlformats.org/drawingml/2006/main" xmlns:r="http://schemas.openxmlformats.org/officeDocument/2006/relationships" xmlns:p="http://schemas.openxmlformats.org/presentationml/2006/main">
   <p:cSld>
     <p:spTree>
@@ -5005,7 +5303,7 @@
 </p:sld>
 </file>
 
-<file path=ppt/slides/slide3.xml><?xml version="1.0" encoding="utf-8"?>
+<file path=ppt/slides/slide4.xml><?xml version="1.0" encoding="utf-8"?>
 <p:sld xmlns:a="http://schemas.openxmlformats.org/drawingml/2006/main" xmlns:r="http://schemas.openxmlformats.org/officeDocument/2006/relationships" xmlns:p="http://schemas.openxmlformats.org/presentationml/2006/main">
   <p:cSld>
     <p:spTree>
@@ -9713,8 +10011,8 @@
           </a:p>
         </p:txBody>
       </p:sp>
-      <mc:AlternateContent xmlns:mc="http://schemas.openxmlformats.org/markup-compatibility/2006">
-        <mc:Choice xmlns:a14="http://schemas.microsoft.com/office/drawing/2010/main" Requires="a14">
+      <mc:AlternateContent xmlns:mc="http://schemas.openxmlformats.org/markup-compatibility/2006" xmlns:a14="http://schemas.microsoft.com/office/drawing/2010/main">
+        <mc:Choice Requires="a14">
           <p:sp>
             <p:nvSpPr>
               <p:cNvPr id="358" name="Retângulo 357">
@@ -9818,7 +10116,7 @@
             </p:txBody>
           </p:sp>
         </mc:Choice>
-        <mc:Fallback>
+        <mc:Fallback xmlns="">
           <p:sp>
             <p:nvSpPr>
               <p:cNvPr id="358" name="Retângulo 357">
@@ -10289,8 +10587,8 @@
           </a:fontRef>
         </p:style>
       </p:cxnSp>
-      <mc:AlternateContent xmlns:mc="http://schemas.openxmlformats.org/markup-compatibility/2006">
-        <mc:Choice xmlns:a14="http://schemas.microsoft.com/office/drawing/2010/main" Requires="a14">
+      <mc:AlternateContent xmlns:mc="http://schemas.openxmlformats.org/markup-compatibility/2006" xmlns:a14="http://schemas.microsoft.com/office/drawing/2010/main">
+        <mc:Choice Requires="a14">
           <p:sp>
             <p:nvSpPr>
               <p:cNvPr id="420" name="Retângulo 419">
@@ -10389,7 +10687,7 @@
             </p:txBody>
           </p:sp>
         </mc:Choice>
-        <mc:Fallback>
+        <mc:Fallback xmlns="">
           <p:sp>
             <p:nvSpPr>
               <p:cNvPr id="420" name="Retângulo 419">
@@ -10496,8 +10794,8 @@
           </a:p>
         </p:txBody>
       </p:sp>
-      <mc:AlternateContent xmlns:mc="http://schemas.openxmlformats.org/markup-compatibility/2006">
-        <mc:Choice xmlns:a14="http://schemas.microsoft.com/office/drawing/2010/main" Requires="a14">
+      <mc:AlternateContent xmlns:mc="http://schemas.openxmlformats.org/markup-compatibility/2006" xmlns:a14="http://schemas.microsoft.com/office/drawing/2010/main">
+        <mc:Choice Requires="a14">
           <p:sp>
             <p:nvSpPr>
               <p:cNvPr id="15" name="Retângulo 14">
@@ -10596,7 +10894,7 @@
             </p:txBody>
           </p:sp>
         </mc:Choice>
-        <mc:Fallback>
+        <mc:Fallback xmlns="">
           <p:sp>
             <p:nvSpPr>
               <p:cNvPr id="15" name="Retângulo 14">
@@ -10644,8 +10942,8 @@
           </p:sp>
         </mc:Fallback>
       </mc:AlternateContent>
-      <mc:AlternateContent xmlns:mc="http://schemas.openxmlformats.org/markup-compatibility/2006">
-        <mc:Choice xmlns:a14="http://schemas.microsoft.com/office/drawing/2010/main" Requires="a14">
+      <mc:AlternateContent xmlns:mc="http://schemas.openxmlformats.org/markup-compatibility/2006" xmlns:a14="http://schemas.microsoft.com/office/drawing/2010/main">
+        <mc:Choice Requires="a14">
           <p:sp>
             <p:nvSpPr>
               <p:cNvPr id="16" name="Retângulo 15">
@@ -10744,7 +11042,7 @@
             </p:txBody>
           </p:sp>
         </mc:Choice>
-        <mc:Fallback>
+        <mc:Fallback xmlns="">
           <p:sp>
             <p:nvSpPr>
               <p:cNvPr id="16" name="Retângulo 15">
@@ -10792,8 +11090,8 @@
           </p:sp>
         </mc:Fallback>
       </mc:AlternateContent>
-      <mc:AlternateContent xmlns:mc="http://schemas.openxmlformats.org/markup-compatibility/2006">
-        <mc:Choice xmlns:a14="http://schemas.microsoft.com/office/drawing/2010/main" Requires="a14">
+      <mc:AlternateContent xmlns:mc="http://schemas.openxmlformats.org/markup-compatibility/2006" xmlns:a14="http://schemas.microsoft.com/office/drawing/2010/main">
+        <mc:Choice Requires="a14">
           <p:sp>
             <p:nvSpPr>
               <p:cNvPr id="17" name="CaixaDeTexto 16">
@@ -10822,6 +11120,7 @@
               </a:bodyPr>
               <a:lstStyle/>
               <a:p>
+                <a:pPr/>
                 <a14:m>
                   <m:oMathPara xmlns:m="http://schemas.openxmlformats.org/officeDocument/2006/math">
                     <m:oMathParaPr>
@@ -10941,7 +11240,7 @@
             </p:txBody>
           </p:sp>
         </mc:Choice>
-        <mc:Fallback>
+        <mc:Fallback xmlns="">
           <p:sp>
             <p:nvSpPr>
               <p:cNvPr id="17" name="CaixaDeTexto 16">
@@ -10986,8 +11285,8 @@
           </p:sp>
         </mc:Fallback>
       </mc:AlternateContent>
-      <mc:AlternateContent xmlns:mc="http://schemas.openxmlformats.org/markup-compatibility/2006">
-        <mc:Choice xmlns:a14="http://schemas.microsoft.com/office/drawing/2010/main" Requires="a14">
+      <mc:AlternateContent xmlns:mc="http://schemas.openxmlformats.org/markup-compatibility/2006" xmlns:a14="http://schemas.microsoft.com/office/drawing/2010/main">
+        <mc:Choice Requires="a14">
           <p:sp>
             <p:nvSpPr>
               <p:cNvPr id="2" name="Retângulo 1">
@@ -11109,7 +11408,7 @@
             </p:txBody>
           </p:sp>
         </mc:Choice>
-        <mc:Fallback>
+        <mc:Fallback xmlns="">
           <p:sp>
             <p:nvSpPr>
               <p:cNvPr id="2" name="Retângulo 1">
@@ -11834,8 +12133,8 @@
           </p:txBody>
         </p:sp>
       </p:grpSp>
-      <mc:AlternateContent xmlns:mc="http://schemas.openxmlformats.org/markup-compatibility/2006">
-        <mc:Choice xmlns:a14="http://schemas.microsoft.com/office/drawing/2010/main" Requires="a14">
+      <mc:AlternateContent xmlns:mc="http://schemas.openxmlformats.org/markup-compatibility/2006" xmlns:a14="http://schemas.microsoft.com/office/drawing/2010/main">
+        <mc:Choice Requires="a14">
           <p:sp>
             <p:nvSpPr>
               <p:cNvPr id="3" name="Retângulo 2">
@@ -11957,7 +12256,7 @@
             </p:txBody>
           </p:sp>
         </mc:Choice>
-        <mc:Fallback>
+        <mc:Fallback xmlns="">
           <p:sp>
             <p:nvSpPr>
               <p:cNvPr id="3" name="Retângulo 2">
@@ -12682,8 +12981,8 @@
           </p:txBody>
         </p:sp>
       </p:grpSp>
-      <mc:AlternateContent xmlns:mc="http://schemas.openxmlformats.org/markup-compatibility/2006">
-        <mc:Choice xmlns:a14="http://schemas.microsoft.com/office/drawing/2010/main" Requires="a14">
+      <mc:AlternateContent xmlns:mc="http://schemas.openxmlformats.org/markup-compatibility/2006" xmlns:a14="http://schemas.microsoft.com/office/drawing/2010/main">
+        <mc:Choice Requires="a14">
           <p:sp>
             <p:nvSpPr>
               <p:cNvPr id="4" name="Retângulo 3">
@@ -12805,7 +13104,7 @@
             </p:txBody>
           </p:sp>
         </mc:Choice>
-        <mc:Fallback>
+        <mc:Fallback xmlns="">
           <p:sp>
             <p:nvSpPr>
               <p:cNvPr id="4" name="Retângulo 3">
@@ -13726,6 +14025,903 @@
     <p:extLst>
       <p:ext uri="{BB962C8B-B14F-4D97-AF65-F5344CB8AC3E}">
         <p14:creationId xmlns:p14="http://schemas.microsoft.com/office/powerpoint/2010/main" val="2369996737"/>
+      </p:ext>
+    </p:extLst>
+  </p:cSld>
+  <p:clrMapOvr>
+    <a:masterClrMapping/>
+  </p:clrMapOvr>
+</p:sld>
+</file>
+
+<file path=ppt/slides/slide5.xml><?xml version="1.0" encoding="utf-8"?>
+<p:sld xmlns:a="http://schemas.openxmlformats.org/drawingml/2006/main" xmlns:r="http://schemas.openxmlformats.org/officeDocument/2006/relationships" xmlns:p="http://schemas.openxmlformats.org/presentationml/2006/main">
+  <p:cSld>
+    <p:spTree>
+      <p:nvGrpSpPr>
+        <p:cNvPr id="1" name="">
+          <a:extLst>
+            <a:ext uri="{FF2B5EF4-FFF2-40B4-BE49-F238E27FC236}">
+              <a16:creationId xmlns:a16="http://schemas.microsoft.com/office/drawing/2014/main" id="{D70783F1-B2FD-E243-FBFA-BC20358BDBC0}"/>
+            </a:ext>
+          </a:extLst>
+        </p:cNvPr>
+        <p:cNvGrpSpPr/>
+        <p:nvPr/>
+      </p:nvGrpSpPr>
+      <p:grpSpPr>
+        <a:xfrm>
+          <a:off x="0" y="0"/>
+          <a:ext cx="0" cy="0"/>
+          <a:chOff x="0" y="0"/>
+          <a:chExt cx="0" cy="0"/>
+        </a:xfrm>
+      </p:grpSpPr>
+      <p:cxnSp>
+        <p:nvCxnSpPr>
+          <p:cNvPr id="114" name="Conector reto 113">
+            <a:extLst>
+              <a:ext uri="{FF2B5EF4-FFF2-40B4-BE49-F238E27FC236}">
+                <a16:creationId xmlns:a16="http://schemas.microsoft.com/office/drawing/2014/main" id="{BE51062E-E6A5-FF84-A1F7-FBA668A552F6}"/>
+              </a:ext>
+            </a:extLst>
+          </p:cNvPr>
+          <p:cNvCxnSpPr>
+            <a:cxnSpLocks/>
+          </p:cNvCxnSpPr>
+          <p:nvPr/>
+        </p:nvCxnSpPr>
+        <p:spPr>
+          <a:xfrm flipH="1" flipV="1">
+            <a:off x="4650581" y="1838325"/>
+            <a:ext cx="1402557" cy="3657600"/>
+          </a:xfrm>
+          <a:prstGeom prst="line">
+            <a:avLst/>
+          </a:prstGeom>
+          <a:ln w="38100">
+            <a:solidFill>
+              <a:schemeClr val="bg1">
+                <a:lumMod val="65000"/>
+              </a:schemeClr>
+            </a:solidFill>
+            <a:headEnd type="none" w="med" len="med"/>
+            <a:tailEnd type="triangle" w="med" len="med"/>
+          </a:ln>
+        </p:spPr>
+        <p:style>
+          <a:lnRef idx="2">
+            <a:schemeClr val="accent1"/>
+          </a:lnRef>
+          <a:fillRef idx="0">
+            <a:schemeClr val="accent1"/>
+          </a:fillRef>
+          <a:effectRef idx="1">
+            <a:schemeClr val="accent1"/>
+          </a:effectRef>
+          <a:fontRef idx="minor">
+            <a:schemeClr val="tx1"/>
+          </a:fontRef>
+        </p:style>
+      </p:cxnSp>
+      <p:cxnSp>
+        <p:nvCxnSpPr>
+          <p:cNvPr id="73" name="Conector reto 72">
+            <a:extLst>
+              <a:ext uri="{FF2B5EF4-FFF2-40B4-BE49-F238E27FC236}">
+                <a16:creationId xmlns:a16="http://schemas.microsoft.com/office/drawing/2014/main" id="{077CB552-DE21-390E-3C35-A56638B154BC}"/>
+              </a:ext>
+            </a:extLst>
+          </p:cNvPr>
+          <p:cNvCxnSpPr>
+            <a:cxnSpLocks/>
+          </p:cNvCxnSpPr>
+          <p:nvPr/>
+        </p:nvCxnSpPr>
+        <p:spPr>
+          <a:xfrm>
+            <a:off x="7650956" y="1859756"/>
+            <a:ext cx="781050" cy="1176338"/>
+          </a:xfrm>
+          <a:prstGeom prst="line">
+            <a:avLst/>
+          </a:prstGeom>
+          <a:ln w="38100">
+            <a:solidFill>
+              <a:schemeClr val="bg1">
+                <a:lumMod val="65000"/>
+              </a:schemeClr>
+            </a:solidFill>
+            <a:headEnd type="none" w="med" len="med"/>
+            <a:tailEnd type="triangle" w="med" len="med"/>
+          </a:ln>
+        </p:spPr>
+        <p:style>
+          <a:lnRef idx="2">
+            <a:schemeClr val="accent1"/>
+          </a:lnRef>
+          <a:fillRef idx="0">
+            <a:schemeClr val="accent1"/>
+          </a:fillRef>
+          <a:effectRef idx="1">
+            <a:schemeClr val="accent1"/>
+          </a:effectRef>
+          <a:fontRef idx="minor">
+            <a:schemeClr val="tx1"/>
+          </a:fontRef>
+        </p:style>
+      </p:cxnSp>
+      <p:sp>
+        <p:nvSpPr>
+          <p:cNvPr id="10" name="Arco 9">
+            <a:extLst>
+              <a:ext uri="{FF2B5EF4-FFF2-40B4-BE49-F238E27FC236}">
+                <a16:creationId xmlns:a16="http://schemas.microsoft.com/office/drawing/2014/main" id="{3F61B107-2915-AB1C-8D6C-10241549C0D2}"/>
+              </a:ext>
+            </a:extLst>
+          </p:cNvPr>
+          <p:cNvSpPr/>
+          <p:nvPr/>
+        </p:nvSpPr>
+        <p:spPr>
+          <a:xfrm>
+            <a:off x="2856000" y="189000"/>
+            <a:ext cx="6480000" cy="6480000"/>
+          </a:xfrm>
+          <a:prstGeom prst="arc">
+            <a:avLst>
+              <a:gd name="adj1" fmla="val 12142359"/>
+              <a:gd name="adj2" fmla="val 12070587"/>
+            </a:avLst>
+          </a:prstGeom>
+          <a:ln w="76200">
+            <a:solidFill>
+              <a:schemeClr val="tx1"/>
+            </a:solidFill>
+            <a:headEnd type="oval" w="med" len="med"/>
+            <a:tailEnd type="triangle" w="med" len="med"/>
+          </a:ln>
+        </p:spPr>
+        <p:style>
+          <a:lnRef idx="2">
+            <a:schemeClr val="accent1"/>
+          </a:lnRef>
+          <a:fillRef idx="0">
+            <a:schemeClr val="accent1"/>
+          </a:fillRef>
+          <a:effectRef idx="1">
+            <a:schemeClr val="accent1"/>
+          </a:effectRef>
+          <a:fontRef idx="minor">
+            <a:schemeClr val="tx1"/>
+          </a:fontRef>
+        </p:style>
+        <p:txBody>
+          <a:bodyPr rtlCol="0" anchor="ctr"/>
+          <a:lstStyle/>
+          <a:p>
+            <a:pPr algn="ctr"/>
+            <a:endParaRPr lang="pt-BR"/>
+          </a:p>
+        </p:txBody>
+      </p:sp>
+      <p:sp>
+        <p:nvSpPr>
+          <p:cNvPr id="49" name="Retângulo 48">
+            <a:extLst>
+              <a:ext uri="{FF2B5EF4-FFF2-40B4-BE49-F238E27FC236}">
+                <a16:creationId xmlns:a16="http://schemas.microsoft.com/office/drawing/2014/main" id="{B02DC327-E691-28F6-6650-AFA331D25174}"/>
+              </a:ext>
+            </a:extLst>
+          </p:cNvPr>
+          <p:cNvSpPr/>
+          <p:nvPr/>
+        </p:nvSpPr>
+        <p:spPr>
+          <a:xfrm>
+            <a:off x="3534781" y="1030276"/>
+            <a:ext cx="2160000" cy="720000"/>
+          </a:xfrm>
+          <a:prstGeom prst="rect">
+            <a:avLst/>
+          </a:prstGeom>
+          <a:solidFill>
+            <a:schemeClr val="bg1"/>
+          </a:solidFill>
+          <a:ln>
+            <a:solidFill>
+              <a:srgbClr val="000000"/>
+            </a:solidFill>
+          </a:ln>
+        </p:spPr>
+        <p:style>
+          <a:lnRef idx="2">
+            <a:schemeClr val="accent1">
+              <a:shade val="15000"/>
+            </a:schemeClr>
+          </a:lnRef>
+          <a:fillRef idx="1">
+            <a:schemeClr val="accent1"/>
+          </a:fillRef>
+          <a:effectRef idx="0">
+            <a:schemeClr val="accent1"/>
+          </a:effectRef>
+          <a:fontRef idx="minor">
+            <a:schemeClr val="lt1"/>
+          </a:fontRef>
+        </p:style>
+        <p:txBody>
+          <a:bodyPr rtlCol="0" anchor="ctr"/>
+          <a:lstStyle/>
+          <a:p>
+            <a:pPr algn="ctr"/>
+            <a:r>
+              <a:rPr lang="pt-BR" dirty="0">
+                <a:solidFill>
+                  <a:schemeClr val="tx1"/>
+                </a:solidFill>
+              </a:rPr>
+              <a:t>Entendimento</a:t>
+            </a:r>
+          </a:p>
+          <a:p>
+            <a:pPr algn="ctr"/>
+            <a:r>
+              <a:rPr lang="pt-BR" dirty="0">
+                <a:solidFill>
+                  <a:schemeClr val="tx1"/>
+                </a:solidFill>
+              </a:rPr>
+              <a:t>de negócio</a:t>
+            </a:r>
+          </a:p>
+        </p:txBody>
+      </p:sp>
+      <p:sp>
+        <p:nvSpPr>
+          <p:cNvPr id="50" name="Retângulo 49">
+            <a:extLst>
+              <a:ext uri="{FF2B5EF4-FFF2-40B4-BE49-F238E27FC236}">
+                <a16:creationId xmlns:a16="http://schemas.microsoft.com/office/drawing/2014/main" id="{A1F4084B-2E06-1577-1DFC-EEFD9B2F4813}"/>
+              </a:ext>
+            </a:extLst>
+          </p:cNvPr>
+          <p:cNvSpPr/>
+          <p:nvPr/>
+        </p:nvSpPr>
+        <p:spPr>
+          <a:xfrm>
+            <a:off x="6497220" y="1030276"/>
+            <a:ext cx="2160000" cy="720000"/>
+          </a:xfrm>
+          <a:prstGeom prst="rect">
+            <a:avLst/>
+          </a:prstGeom>
+          <a:solidFill>
+            <a:schemeClr val="bg1"/>
+          </a:solidFill>
+          <a:ln>
+            <a:solidFill>
+              <a:srgbClr val="000000"/>
+            </a:solidFill>
+          </a:ln>
+        </p:spPr>
+        <p:style>
+          <a:lnRef idx="2">
+            <a:schemeClr val="accent1">
+              <a:shade val="15000"/>
+            </a:schemeClr>
+          </a:lnRef>
+          <a:fillRef idx="1">
+            <a:schemeClr val="accent1"/>
+          </a:fillRef>
+          <a:effectRef idx="0">
+            <a:schemeClr val="accent1"/>
+          </a:effectRef>
+          <a:fontRef idx="minor">
+            <a:schemeClr val="lt1"/>
+          </a:fontRef>
+        </p:style>
+        <p:txBody>
+          <a:bodyPr rtlCol="0" anchor="ctr"/>
+          <a:lstStyle/>
+          <a:p>
+            <a:pPr algn="ctr"/>
+            <a:r>
+              <a:rPr lang="pt-BR" dirty="0">
+                <a:solidFill>
+                  <a:schemeClr val="tx1"/>
+                </a:solidFill>
+              </a:rPr>
+              <a:t>Entendimento</a:t>
+            </a:r>
+          </a:p>
+          <a:p>
+            <a:pPr algn="ctr"/>
+            <a:r>
+              <a:rPr lang="pt-BR" dirty="0">
+                <a:solidFill>
+                  <a:schemeClr val="tx1"/>
+                </a:solidFill>
+              </a:rPr>
+              <a:t>dos dados</a:t>
+            </a:r>
+          </a:p>
+        </p:txBody>
+      </p:sp>
+      <p:sp>
+        <p:nvSpPr>
+          <p:cNvPr id="54" name="Retângulo 53">
+            <a:extLst>
+              <a:ext uri="{FF2B5EF4-FFF2-40B4-BE49-F238E27FC236}">
+                <a16:creationId xmlns:a16="http://schemas.microsoft.com/office/drawing/2014/main" id="{237117F4-15A7-9EBB-7ED7-CBD4A2771EFF}"/>
+              </a:ext>
+            </a:extLst>
+          </p:cNvPr>
+          <p:cNvSpPr/>
+          <p:nvPr/>
+        </p:nvSpPr>
+        <p:spPr>
+          <a:xfrm>
+            <a:off x="5016000" y="5589001"/>
+            <a:ext cx="2160000" cy="720000"/>
+          </a:xfrm>
+          <a:prstGeom prst="rect">
+            <a:avLst/>
+          </a:prstGeom>
+          <a:solidFill>
+            <a:schemeClr val="bg1"/>
+          </a:solidFill>
+          <a:ln>
+            <a:solidFill>
+              <a:srgbClr val="000000"/>
+            </a:solidFill>
+          </a:ln>
+        </p:spPr>
+        <p:style>
+          <a:lnRef idx="2">
+            <a:schemeClr val="accent1">
+              <a:shade val="15000"/>
+            </a:schemeClr>
+          </a:lnRef>
+          <a:fillRef idx="1">
+            <a:schemeClr val="accent1"/>
+          </a:fillRef>
+          <a:effectRef idx="0">
+            <a:schemeClr val="accent1"/>
+          </a:effectRef>
+          <a:fontRef idx="minor">
+            <a:schemeClr val="lt1"/>
+          </a:fontRef>
+        </p:style>
+        <p:txBody>
+          <a:bodyPr rtlCol="0" anchor="ctr"/>
+          <a:lstStyle/>
+          <a:p>
+            <a:pPr algn="ctr"/>
+            <a:r>
+              <a:rPr lang="pt-BR" dirty="0">
+                <a:solidFill>
+                  <a:schemeClr val="tx1"/>
+                </a:solidFill>
+              </a:rPr>
+              <a:t>Avaliação</a:t>
+            </a:r>
+          </a:p>
+          <a:p>
+            <a:pPr algn="ctr"/>
+            <a:r>
+              <a:rPr lang="pt-BR" dirty="0">
+                <a:solidFill>
+                  <a:schemeClr val="tx1"/>
+                </a:solidFill>
+              </a:rPr>
+              <a:t>do modelo</a:t>
+            </a:r>
+          </a:p>
+        </p:txBody>
+      </p:sp>
+      <p:sp>
+        <p:nvSpPr>
+          <p:cNvPr id="55" name="Retângulo 54">
+            <a:extLst>
+              <a:ext uri="{FF2B5EF4-FFF2-40B4-BE49-F238E27FC236}">
+                <a16:creationId xmlns:a16="http://schemas.microsoft.com/office/drawing/2014/main" id="{4FEC8107-60C9-62A7-80D1-BFB9AE0D6CC4}"/>
+              </a:ext>
+            </a:extLst>
+          </p:cNvPr>
+          <p:cNvSpPr/>
+          <p:nvPr/>
+        </p:nvSpPr>
+        <p:spPr>
+          <a:xfrm>
+            <a:off x="2619335" y="3847724"/>
+            <a:ext cx="2160000" cy="720000"/>
+          </a:xfrm>
+          <a:prstGeom prst="rect">
+            <a:avLst/>
+          </a:prstGeom>
+          <a:solidFill>
+            <a:schemeClr val="bg1"/>
+          </a:solidFill>
+          <a:ln>
+            <a:solidFill>
+              <a:srgbClr val="000000"/>
+            </a:solidFill>
+          </a:ln>
+        </p:spPr>
+        <p:style>
+          <a:lnRef idx="2">
+            <a:schemeClr val="accent1">
+              <a:shade val="15000"/>
+            </a:schemeClr>
+          </a:lnRef>
+          <a:fillRef idx="1">
+            <a:schemeClr val="accent1"/>
+          </a:fillRef>
+          <a:effectRef idx="0">
+            <a:schemeClr val="accent1"/>
+          </a:effectRef>
+          <a:fontRef idx="minor">
+            <a:schemeClr val="lt1"/>
+          </a:fontRef>
+        </p:style>
+        <p:txBody>
+          <a:bodyPr rtlCol="0" anchor="ctr"/>
+          <a:lstStyle/>
+          <a:p>
+            <a:pPr algn="ctr"/>
+            <a:r>
+              <a:rPr lang="pt-BR" dirty="0">
+                <a:solidFill>
+                  <a:schemeClr val="tx1"/>
+                </a:solidFill>
+              </a:rPr>
+              <a:t>Implantação</a:t>
+            </a:r>
+          </a:p>
+        </p:txBody>
+      </p:sp>
+      <p:cxnSp>
+        <p:nvCxnSpPr>
+          <p:cNvPr id="63" name="Conector reto 62">
+            <a:extLst>
+              <a:ext uri="{FF2B5EF4-FFF2-40B4-BE49-F238E27FC236}">
+                <a16:creationId xmlns:a16="http://schemas.microsoft.com/office/drawing/2014/main" id="{B29B4629-FA01-42A5-5819-381EE399B8BF}"/>
+              </a:ext>
+            </a:extLst>
+          </p:cNvPr>
+          <p:cNvCxnSpPr>
+            <a:cxnSpLocks/>
+          </p:cNvCxnSpPr>
+          <p:nvPr/>
+        </p:nvCxnSpPr>
+        <p:spPr>
+          <a:xfrm>
+            <a:off x="5826000" y="1510276"/>
+            <a:ext cx="540000" cy="0"/>
+          </a:xfrm>
+          <a:prstGeom prst="line">
+            <a:avLst/>
+          </a:prstGeom>
+          <a:ln w="38100">
+            <a:solidFill>
+              <a:schemeClr val="bg1">
+                <a:lumMod val="65000"/>
+              </a:schemeClr>
+            </a:solidFill>
+            <a:headEnd type="none" w="med" len="med"/>
+            <a:tailEnd type="triangle" w="med" len="med"/>
+          </a:ln>
+        </p:spPr>
+        <p:style>
+          <a:lnRef idx="2">
+            <a:schemeClr val="accent1"/>
+          </a:lnRef>
+          <a:fillRef idx="0">
+            <a:schemeClr val="accent1"/>
+          </a:fillRef>
+          <a:effectRef idx="1">
+            <a:schemeClr val="accent1"/>
+          </a:effectRef>
+          <a:fontRef idx="minor">
+            <a:schemeClr val="tx1"/>
+          </a:fontRef>
+        </p:style>
+      </p:cxnSp>
+      <p:cxnSp>
+        <p:nvCxnSpPr>
+          <p:cNvPr id="64" name="Conector reto 63">
+            <a:extLst>
+              <a:ext uri="{FF2B5EF4-FFF2-40B4-BE49-F238E27FC236}">
+                <a16:creationId xmlns:a16="http://schemas.microsoft.com/office/drawing/2014/main" id="{4AF94A4F-C039-6344-3542-5BFDE4AD371B}"/>
+              </a:ext>
+            </a:extLst>
+          </p:cNvPr>
+          <p:cNvCxnSpPr>
+            <a:cxnSpLocks/>
+          </p:cNvCxnSpPr>
+          <p:nvPr/>
+        </p:nvCxnSpPr>
+        <p:spPr>
+          <a:xfrm>
+            <a:off x="5826000" y="1270276"/>
+            <a:ext cx="540000" cy="0"/>
+          </a:xfrm>
+          <a:prstGeom prst="line">
+            <a:avLst/>
+          </a:prstGeom>
+          <a:ln w="38100">
+            <a:solidFill>
+              <a:schemeClr val="bg1">
+                <a:lumMod val="65000"/>
+              </a:schemeClr>
+            </a:solidFill>
+            <a:headEnd type="triangle" w="med" len="med"/>
+            <a:tailEnd type="none" w="med" len="med"/>
+          </a:ln>
+        </p:spPr>
+        <p:style>
+          <a:lnRef idx="2">
+            <a:schemeClr val="accent1"/>
+          </a:lnRef>
+          <a:fillRef idx="0">
+            <a:schemeClr val="accent1"/>
+          </a:fillRef>
+          <a:effectRef idx="1">
+            <a:schemeClr val="accent1"/>
+          </a:effectRef>
+          <a:fontRef idx="minor">
+            <a:schemeClr val="tx1"/>
+          </a:fontRef>
+        </p:style>
+      </p:cxnSp>
+      <p:grpSp>
+        <p:nvGrpSpPr>
+          <p:cNvPr id="51" name="Agrupar 50">
+            <a:extLst>
+              <a:ext uri="{FF2B5EF4-FFF2-40B4-BE49-F238E27FC236}">
+                <a16:creationId xmlns:a16="http://schemas.microsoft.com/office/drawing/2014/main" id="{C27039AF-87D7-0594-312B-50FFF5329772}"/>
+              </a:ext>
+            </a:extLst>
+          </p:cNvPr>
+          <p:cNvGrpSpPr/>
+          <p:nvPr/>
+        </p:nvGrpSpPr>
+        <p:grpSpPr>
+          <a:xfrm>
+            <a:off x="7412665" y="3127724"/>
+            <a:ext cx="2160000" cy="2160000"/>
+            <a:chOff x="8019563" y="3149346"/>
+            <a:chExt cx="2160000" cy="2160000"/>
+          </a:xfrm>
+        </p:grpSpPr>
+        <p:sp>
+          <p:nvSpPr>
+            <p:cNvPr id="52" name="Retângulo 51">
+              <a:extLst>
+                <a:ext uri="{FF2B5EF4-FFF2-40B4-BE49-F238E27FC236}">
+                  <a16:creationId xmlns:a16="http://schemas.microsoft.com/office/drawing/2014/main" id="{562CCEC8-296F-7E15-9FBB-DCA1AA53C905}"/>
+                </a:ext>
+              </a:extLst>
+            </p:cNvPr>
+            <p:cNvSpPr/>
+            <p:nvPr/>
+          </p:nvSpPr>
+          <p:spPr>
+            <a:xfrm>
+              <a:off x="8019563" y="3149346"/>
+              <a:ext cx="2160000" cy="720000"/>
+            </a:xfrm>
+            <a:prstGeom prst="rect">
+              <a:avLst/>
+            </a:prstGeom>
+            <a:solidFill>
+              <a:schemeClr val="bg1"/>
+            </a:solidFill>
+            <a:ln>
+              <a:solidFill>
+                <a:srgbClr val="000000"/>
+              </a:solidFill>
+            </a:ln>
+          </p:spPr>
+          <p:style>
+            <a:lnRef idx="2">
+              <a:schemeClr val="accent1">
+                <a:shade val="15000"/>
+              </a:schemeClr>
+            </a:lnRef>
+            <a:fillRef idx="1">
+              <a:schemeClr val="accent1"/>
+            </a:fillRef>
+            <a:effectRef idx="0">
+              <a:schemeClr val="accent1"/>
+            </a:effectRef>
+            <a:fontRef idx="minor">
+              <a:schemeClr val="lt1"/>
+            </a:fontRef>
+          </p:style>
+          <p:txBody>
+            <a:bodyPr rtlCol="0" anchor="ctr"/>
+            <a:lstStyle/>
+            <a:p>
+              <a:pPr algn="ctr"/>
+              <a:r>
+                <a:rPr lang="pt-BR" dirty="0">
+                  <a:solidFill>
+                    <a:schemeClr val="tx1"/>
+                  </a:solidFill>
+                </a:rPr>
+                <a:t>Preparação</a:t>
+              </a:r>
+            </a:p>
+            <a:p>
+              <a:pPr algn="ctr"/>
+              <a:r>
+                <a:rPr lang="pt-BR" dirty="0">
+                  <a:solidFill>
+                    <a:schemeClr val="tx1"/>
+                  </a:solidFill>
+                </a:rPr>
+                <a:t>dos dados</a:t>
+              </a:r>
+            </a:p>
+          </p:txBody>
+        </p:sp>
+        <p:sp>
+          <p:nvSpPr>
+            <p:cNvPr id="53" name="Retângulo 52">
+              <a:extLst>
+                <a:ext uri="{FF2B5EF4-FFF2-40B4-BE49-F238E27FC236}">
+                  <a16:creationId xmlns:a16="http://schemas.microsoft.com/office/drawing/2014/main" id="{76340FE0-1C2E-F35C-FC59-C0E3D03EC254}"/>
+                </a:ext>
+              </a:extLst>
+            </p:cNvPr>
+            <p:cNvSpPr/>
+            <p:nvPr/>
+          </p:nvSpPr>
+          <p:spPr>
+            <a:xfrm>
+              <a:off x="8019563" y="4589346"/>
+              <a:ext cx="2160000" cy="720000"/>
+            </a:xfrm>
+            <a:prstGeom prst="rect">
+              <a:avLst/>
+            </a:prstGeom>
+            <a:solidFill>
+              <a:schemeClr val="bg1"/>
+            </a:solidFill>
+            <a:ln>
+              <a:solidFill>
+                <a:srgbClr val="000000"/>
+              </a:solidFill>
+            </a:ln>
+          </p:spPr>
+          <p:style>
+            <a:lnRef idx="2">
+              <a:schemeClr val="accent1">
+                <a:shade val="15000"/>
+              </a:schemeClr>
+            </a:lnRef>
+            <a:fillRef idx="1">
+              <a:schemeClr val="accent1"/>
+            </a:fillRef>
+            <a:effectRef idx="0">
+              <a:schemeClr val="accent1"/>
+            </a:effectRef>
+            <a:fontRef idx="minor">
+              <a:schemeClr val="lt1"/>
+            </a:fontRef>
+          </p:style>
+          <p:txBody>
+            <a:bodyPr rtlCol="0" anchor="ctr"/>
+            <a:lstStyle/>
+            <a:p>
+              <a:pPr algn="ctr"/>
+              <a:r>
+                <a:rPr lang="pt-BR" dirty="0">
+                  <a:solidFill>
+                    <a:schemeClr val="tx1"/>
+                  </a:solidFill>
+                </a:rPr>
+                <a:t>Modelagem</a:t>
+              </a:r>
+            </a:p>
+          </p:txBody>
+        </p:sp>
+      </p:grpSp>
+      <p:cxnSp>
+        <p:nvCxnSpPr>
+          <p:cNvPr id="65" name="Conector reto 64">
+            <a:extLst>
+              <a:ext uri="{FF2B5EF4-FFF2-40B4-BE49-F238E27FC236}">
+                <a16:creationId xmlns:a16="http://schemas.microsoft.com/office/drawing/2014/main" id="{A7150544-B4A3-B991-B48D-E016345EE4BE}"/>
+              </a:ext>
+            </a:extLst>
+          </p:cNvPr>
+          <p:cNvCxnSpPr>
+            <a:cxnSpLocks/>
+          </p:cNvCxnSpPr>
+          <p:nvPr/>
+        </p:nvCxnSpPr>
+        <p:spPr>
+          <a:xfrm rot="5400000">
+            <a:off x="7862664" y="4207724"/>
+            <a:ext cx="540000" cy="0"/>
+          </a:xfrm>
+          <a:prstGeom prst="line">
+            <a:avLst/>
+          </a:prstGeom>
+          <a:ln w="38100">
+            <a:solidFill>
+              <a:schemeClr val="bg1">
+                <a:lumMod val="65000"/>
+              </a:schemeClr>
+            </a:solidFill>
+            <a:headEnd type="none" w="med" len="med"/>
+            <a:tailEnd type="triangle" w="med" len="med"/>
+          </a:ln>
+        </p:spPr>
+        <p:style>
+          <a:lnRef idx="2">
+            <a:schemeClr val="accent1"/>
+          </a:lnRef>
+          <a:fillRef idx="0">
+            <a:schemeClr val="accent1"/>
+          </a:fillRef>
+          <a:effectRef idx="1">
+            <a:schemeClr val="accent1"/>
+          </a:effectRef>
+          <a:fontRef idx="minor">
+            <a:schemeClr val="tx1"/>
+          </a:fontRef>
+        </p:style>
+      </p:cxnSp>
+      <p:cxnSp>
+        <p:nvCxnSpPr>
+          <p:cNvPr id="66" name="Conector reto 65">
+            <a:extLst>
+              <a:ext uri="{FF2B5EF4-FFF2-40B4-BE49-F238E27FC236}">
+                <a16:creationId xmlns:a16="http://schemas.microsoft.com/office/drawing/2014/main" id="{2F522E8E-5D8B-7FE8-3EF1-96A7D18BDC2C}"/>
+              </a:ext>
+            </a:extLst>
+          </p:cNvPr>
+          <p:cNvCxnSpPr>
+            <a:cxnSpLocks/>
+          </p:cNvCxnSpPr>
+          <p:nvPr/>
+        </p:nvCxnSpPr>
+        <p:spPr>
+          <a:xfrm rot="5400000">
+            <a:off x="8582665" y="4207724"/>
+            <a:ext cx="540000" cy="0"/>
+          </a:xfrm>
+          <a:prstGeom prst="line">
+            <a:avLst/>
+          </a:prstGeom>
+          <a:ln w="38100">
+            <a:solidFill>
+              <a:schemeClr val="bg1">
+                <a:lumMod val="65000"/>
+              </a:schemeClr>
+            </a:solidFill>
+            <a:headEnd type="triangle" w="med" len="med"/>
+            <a:tailEnd type="none" w="med" len="med"/>
+          </a:ln>
+        </p:spPr>
+        <p:style>
+          <a:lnRef idx="2">
+            <a:schemeClr val="accent1"/>
+          </a:lnRef>
+          <a:fillRef idx="0">
+            <a:schemeClr val="accent1"/>
+          </a:fillRef>
+          <a:effectRef idx="1">
+            <a:schemeClr val="accent1"/>
+          </a:effectRef>
+          <a:fontRef idx="minor">
+            <a:schemeClr val="tx1"/>
+          </a:fontRef>
+        </p:style>
+      </p:cxnSp>
+      <p:cxnSp>
+        <p:nvCxnSpPr>
+          <p:cNvPr id="86" name="Conector reto 85">
+            <a:extLst>
+              <a:ext uri="{FF2B5EF4-FFF2-40B4-BE49-F238E27FC236}">
+                <a16:creationId xmlns:a16="http://schemas.microsoft.com/office/drawing/2014/main" id="{ADE34D5C-15B3-567C-2BB3-7E350FD687DA}"/>
+              </a:ext>
+            </a:extLst>
+          </p:cNvPr>
+          <p:cNvCxnSpPr>
+            <a:cxnSpLocks/>
+          </p:cNvCxnSpPr>
+          <p:nvPr/>
+        </p:nvCxnSpPr>
+        <p:spPr>
+          <a:xfrm flipH="1">
+            <a:off x="7265194" y="5376863"/>
+            <a:ext cx="1045369" cy="547687"/>
+          </a:xfrm>
+          <a:prstGeom prst="line">
+            <a:avLst/>
+          </a:prstGeom>
+          <a:ln w="38100">
+            <a:solidFill>
+              <a:schemeClr val="bg1">
+                <a:lumMod val="65000"/>
+              </a:schemeClr>
+            </a:solidFill>
+            <a:headEnd type="none" w="med" len="med"/>
+            <a:tailEnd type="triangle" w="med" len="med"/>
+          </a:ln>
+        </p:spPr>
+        <p:style>
+          <a:lnRef idx="2">
+            <a:schemeClr val="accent1"/>
+          </a:lnRef>
+          <a:fillRef idx="0">
+            <a:schemeClr val="accent1"/>
+          </a:fillRef>
+          <a:effectRef idx="1">
+            <a:schemeClr val="accent1"/>
+          </a:effectRef>
+          <a:fontRef idx="minor">
+            <a:schemeClr val="tx1"/>
+          </a:fontRef>
+        </p:style>
+      </p:cxnSp>
+      <p:cxnSp>
+        <p:nvCxnSpPr>
+          <p:cNvPr id="104" name="Conector reto 103">
+            <a:extLst>
+              <a:ext uri="{FF2B5EF4-FFF2-40B4-BE49-F238E27FC236}">
+                <a16:creationId xmlns:a16="http://schemas.microsoft.com/office/drawing/2014/main" id="{84C81E4A-E95C-1DFD-05A4-B9B7C43C1B08}"/>
+              </a:ext>
+            </a:extLst>
+          </p:cNvPr>
+          <p:cNvCxnSpPr>
+            <a:cxnSpLocks/>
+          </p:cNvCxnSpPr>
+          <p:nvPr/>
+        </p:nvCxnSpPr>
+        <p:spPr>
+          <a:xfrm flipH="1" flipV="1">
+            <a:off x="3783806" y="4657725"/>
+            <a:ext cx="1140619" cy="1204913"/>
+          </a:xfrm>
+          <a:prstGeom prst="line">
+            <a:avLst/>
+          </a:prstGeom>
+          <a:ln w="38100">
+            <a:solidFill>
+              <a:schemeClr val="bg1">
+                <a:lumMod val="65000"/>
+              </a:schemeClr>
+            </a:solidFill>
+            <a:headEnd type="none" w="med" len="med"/>
+            <a:tailEnd type="triangle" w="med" len="med"/>
+          </a:ln>
+        </p:spPr>
+        <p:style>
+          <a:lnRef idx="2">
+            <a:schemeClr val="accent1"/>
+          </a:lnRef>
+          <a:fillRef idx="0">
+            <a:schemeClr val="accent1"/>
+          </a:fillRef>
+          <a:effectRef idx="1">
+            <a:schemeClr val="accent1"/>
+          </a:effectRef>
+          <a:fontRef idx="minor">
+            <a:schemeClr val="tx1"/>
+          </a:fontRef>
+        </p:style>
+      </p:cxnSp>
+    </p:spTree>
+    <p:extLst>
+      <p:ext uri="{BB962C8B-B14F-4D97-AF65-F5344CB8AC3E}">
+        <p14:creationId xmlns:p14="http://schemas.microsoft.com/office/powerpoint/2010/main" val="790426637"/>
       </p:ext>
     </p:extLst>
   </p:cSld>

--- a/texto/imagens/imagens.pptx
+++ b/texto/imagens/imagens.pptx
@@ -212,7 +212,7 @@
           <a:p>
             <a:fld id="{6B0AB28A-744D-4D8F-B230-777115679F23}" type="datetimeFigureOut">
               <a:rPr lang="pt-BR" smtClean="0"/>
-              <a:t>26/10/2025</a:t>
+              <a:t>03/01/2026</a:t>
             </a:fld>
             <a:endParaRPr lang="pt-BR"/>
           </a:p>
@@ -734,7 +734,7 @@
           <a:p>
             <a:fld id="{FBE0B160-877E-41BA-9694-A2F87F92269D}" type="datetimeFigureOut">
               <a:rPr lang="pt-BR" smtClean="0"/>
-              <a:t>26/10/2025</a:t>
+              <a:t>03/01/2026</a:t>
             </a:fld>
             <a:endParaRPr lang="pt-BR"/>
           </a:p>
@@ -932,7 +932,7 @@
           <a:p>
             <a:fld id="{FBE0B160-877E-41BA-9694-A2F87F92269D}" type="datetimeFigureOut">
               <a:rPr lang="pt-BR" smtClean="0"/>
-              <a:t>26/10/2025</a:t>
+              <a:t>03/01/2026</a:t>
             </a:fld>
             <a:endParaRPr lang="pt-BR"/>
           </a:p>
@@ -1140,7 +1140,7 @@
           <a:p>
             <a:fld id="{FBE0B160-877E-41BA-9694-A2F87F92269D}" type="datetimeFigureOut">
               <a:rPr lang="pt-BR" smtClean="0"/>
-              <a:t>26/10/2025</a:t>
+              <a:t>03/01/2026</a:t>
             </a:fld>
             <a:endParaRPr lang="pt-BR"/>
           </a:p>
@@ -1338,7 +1338,7 @@
           <a:p>
             <a:fld id="{FBE0B160-877E-41BA-9694-A2F87F92269D}" type="datetimeFigureOut">
               <a:rPr lang="pt-BR" smtClean="0"/>
-              <a:t>26/10/2025</a:t>
+              <a:t>03/01/2026</a:t>
             </a:fld>
             <a:endParaRPr lang="pt-BR"/>
           </a:p>
@@ -1613,7 +1613,7 @@
           <a:p>
             <a:fld id="{FBE0B160-877E-41BA-9694-A2F87F92269D}" type="datetimeFigureOut">
               <a:rPr lang="pt-BR" smtClean="0"/>
-              <a:t>26/10/2025</a:t>
+              <a:t>03/01/2026</a:t>
             </a:fld>
             <a:endParaRPr lang="pt-BR"/>
           </a:p>
@@ -1878,7 +1878,7 @@
           <a:p>
             <a:fld id="{FBE0B160-877E-41BA-9694-A2F87F92269D}" type="datetimeFigureOut">
               <a:rPr lang="pt-BR" smtClean="0"/>
-              <a:t>26/10/2025</a:t>
+              <a:t>03/01/2026</a:t>
             </a:fld>
             <a:endParaRPr lang="pt-BR"/>
           </a:p>
@@ -2290,7 +2290,7 @@
           <a:p>
             <a:fld id="{FBE0B160-877E-41BA-9694-A2F87F92269D}" type="datetimeFigureOut">
               <a:rPr lang="pt-BR" smtClean="0"/>
-              <a:t>26/10/2025</a:t>
+              <a:t>03/01/2026</a:t>
             </a:fld>
             <a:endParaRPr lang="pt-BR"/>
           </a:p>
@@ -2431,7 +2431,7 @@
           <a:p>
             <a:fld id="{FBE0B160-877E-41BA-9694-A2F87F92269D}" type="datetimeFigureOut">
               <a:rPr lang="pt-BR" smtClean="0"/>
-              <a:t>26/10/2025</a:t>
+              <a:t>03/01/2026</a:t>
             </a:fld>
             <a:endParaRPr lang="pt-BR"/>
           </a:p>
@@ -2544,7 +2544,7 @@
           <a:p>
             <a:fld id="{FBE0B160-877E-41BA-9694-A2F87F92269D}" type="datetimeFigureOut">
               <a:rPr lang="pt-BR" smtClean="0"/>
-              <a:t>26/10/2025</a:t>
+              <a:t>03/01/2026</a:t>
             </a:fld>
             <a:endParaRPr lang="pt-BR"/>
           </a:p>
@@ -2855,7 +2855,7 @@
           <a:p>
             <a:fld id="{FBE0B160-877E-41BA-9694-A2F87F92269D}" type="datetimeFigureOut">
               <a:rPr lang="pt-BR" smtClean="0"/>
-              <a:t>26/10/2025</a:t>
+              <a:t>03/01/2026</a:t>
             </a:fld>
             <a:endParaRPr lang="pt-BR"/>
           </a:p>
@@ -3143,7 +3143,7 @@
           <a:p>
             <a:fld id="{FBE0B160-877E-41BA-9694-A2F87F92269D}" type="datetimeFigureOut">
               <a:rPr lang="pt-BR" smtClean="0"/>
-              <a:t>26/10/2025</a:t>
+              <a:t>03/01/2026</a:t>
             </a:fld>
             <a:endParaRPr lang="pt-BR"/>
           </a:p>
@@ -3384,7 +3384,7 @@
           <a:p>
             <a:fld id="{FBE0B160-877E-41BA-9694-A2F87F92269D}" type="datetimeFigureOut">
               <a:rPr lang="pt-BR" smtClean="0"/>
-              <a:t>26/10/2025</a:t>
+              <a:t>03/01/2026</a:t>
             </a:fld>
             <a:endParaRPr lang="pt-BR"/>
           </a:p>
@@ -6219,7 +6219,9 @@
               <a:avLst/>
             </a:prstGeom>
             <a:solidFill>
-              <a:schemeClr val="bg1"/>
+              <a:schemeClr val="bg1">
+                <a:lumMod val="50000"/>
+              </a:schemeClr>
             </a:solidFill>
             <a:ln>
               <a:solidFill>
@@ -6251,7 +6253,7 @@
               <a:r>
                 <a:rPr lang="pt-BR" sz="1400" dirty="0">
                   <a:solidFill>
-                    <a:schemeClr val="tx1"/>
+                    <a:schemeClr val="bg1"/>
                   </a:solidFill>
                 </a:rPr>
                 <a:t>1</a:t>
@@ -6404,7 +6406,9 @@
               <a:avLst/>
             </a:prstGeom>
             <a:solidFill>
-              <a:schemeClr val="bg1"/>
+              <a:schemeClr val="bg1">
+                <a:lumMod val="50000"/>
+              </a:schemeClr>
             </a:solidFill>
             <a:ln>
               <a:solidFill>
@@ -6436,7 +6440,7 @@
               <a:r>
                 <a:rPr lang="pt-BR" sz="1400" dirty="0">
                   <a:solidFill>
-                    <a:schemeClr val="tx1"/>
+                    <a:schemeClr val="bg1"/>
                   </a:solidFill>
                 </a:rPr>
                 <a:t>6</a:t>
@@ -6465,7 +6469,9 @@
               <a:avLst/>
             </a:prstGeom>
             <a:solidFill>
-              <a:schemeClr val="bg1"/>
+              <a:schemeClr val="bg1">
+                <a:lumMod val="50000"/>
+              </a:schemeClr>
             </a:solidFill>
             <a:ln>
               <a:solidFill>
@@ -6497,7 +6503,7 @@
               <a:r>
                 <a:rPr lang="pt-BR" sz="1400" dirty="0">
                   <a:solidFill>
-                    <a:schemeClr val="tx1"/>
+                    <a:schemeClr val="bg1"/>
                   </a:solidFill>
                 </a:rPr>
                 <a:t>9</a:t>
@@ -6526,7 +6532,9 @@
               <a:avLst/>
             </a:prstGeom>
             <a:solidFill>
-              <a:schemeClr val="bg1"/>
+              <a:schemeClr val="bg1">
+                <a:lumMod val="50000"/>
+              </a:schemeClr>
             </a:solidFill>
             <a:ln>
               <a:solidFill>
@@ -6558,7 +6566,7 @@
               <a:r>
                 <a:rPr lang="pt-BR" sz="1400" dirty="0">
                   <a:solidFill>
-                    <a:schemeClr val="tx1"/>
+                    <a:schemeClr val="bg1"/>
                   </a:solidFill>
                 </a:rPr>
                 <a:t>4</a:t>
@@ -7162,7 +7170,9 @@
               <a:avLst/>
             </a:prstGeom>
             <a:solidFill>
-              <a:schemeClr val="bg1"/>
+              <a:schemeClr val="bg1">
+                <a:lumMod val="50000"/>
+              </a:schemeClr>
             </a:solidFill>
             <a:ln>
               <a:solidFill>
@@ -7194,7 +7204,7 @@
               <a:r>
                 <a:rPr lang="pt-BR" sz="1400" dirty="0">
                   <a:solidFill>
-                    <a:schemeClr val="tx1"/>
+                    <a:schemeClr val="bg1"/>
                   </a:solidFill>
                 </a:rPr>
                 <a:t>4</a:t>
@@ -7223,7 +7233,9 @@
               <a:avLst/>
             </a:prstGeom>
             <a:solidFill>
-              <a:schemeClr val="bg1"/>
+              <a:schemeClr val="bg1">
+                <a:lumMod val="50000"/>
+              </a:schemeClr>
             </a:solidFill>
             <a:ln>
               <a:solidFill>
@@ -7255,7 +7267,7 @@
               <a:r>
                 <a:rPr lang="pt-BR" sz="1400" dirty="0">
                   <a:solidFill>
-                    <a:schemeClr val="tx1"/>
+                    <a:schemeClr val="bg1"/>
                   </a:solidFill>
                 </a:rPr>
                 <a:t>5</a:t>
@@ -7346,7 +7358,9 @@
               <a:avLst/>
             </a:prstGeom>
             <a:solidFill>
-              <a:schemeClr val="bg1"/>
+              <a:schemeClr val="bg1">
+                <a:lumMod val="50000"/>
+              </a:schemeClr>
             </a:solidFill>
             <a:ln>
               <a:solidFill>
@@ -7378,7 +7392,7 @@
               <a:r>
                 <a:rPr lang="pt-BR" sz="1400" dirty="0">
                   <a:solidFill>
-                    <a:schemeClr val="tx1"/>
+                    <a:schemeClr val="bg1"/>
                   </a:solidFill>
                 </a:rPr>
                 <a:t>8</a:t>
